--- a/docs/songs/no longer slaves.pptx
+++ b/docs/songs/no longer slaves.pptx
@@ -310,7 +310,7 @@
             <a:fld id="{26EA1CF3-4A15-4CBF-9A5A-6A56C368BE71}" type="datetimeFigureOut">
               <a:rPr lang="en-GB" smtClean="0"/>
               <a:pPr/>
-              <a:t>03/10/2022</a:t>
+              <a:t>01/07/2024</a:t>
             </a:fld>
             <a:endParaRPr lang="en-GB"/>
           </a:p>
@@ -477,7 +477,7 @@
             <a:fld id="{26EA1CF3-4A15-4CBF-9A5A-6A56C368BE71}" type="datetimeFigureOut">
               <a:rPr lang="en-GB" smtClean="0"/>
               <a:pPr/>
-              <a:t>03/10/2022</a:t>
+              <a:t>01/07/2024</a:t>
             </a:fld>
             <a:endParaRPr lang="en-GB"/>
           </a:p>
@@ -654,7 +654,7 @@
             <a:fld id="{26EA1CF3-4A15-4CBF-9A5A-6A56C368BE71}" type="datetimeFigureOut">
               <a:rPr lang="en-GB" smtClean="0"/>
               <a:pPr/>
-              <a:t>03/10/2022</a:t>
+              <a:t>01/07/2024</a:t>
             </a:fld>
             <a:endParaRPr lang="en-GB"/>
           </a:p>
@@ -821,7 +821,7 @@
             <a:fld id="{26EA1CF3-4A15-4CBF-9A5A-6A56C368BE71}" type="datetimeFigureOut">
               <a:rPr lang="en-GB" smtClean="0"/>
               <a:pPr/>
-              <a:t>03/10/2022</a:t>
+              <a:t>01/07/2024</a:t>
             </a:fld>
             <a:endParaRPr lang="en-GB"/>
           </a:p>
@@ -1064,7 +1064,7 @@
             <a:fld id="{26EA1CF3-4A15-4CBF-9A5A-6A56C368BE71}" type="datetimeFigureOut">
               <a:rPr lang="en-GB" smtClean="0"/>
               <a:pPr/>
-              <a:t>03/10/2022</a:t>
+              <a:t>01/07/2024</a:t>
             </a:fld>
             <a:endParaRPr lang="en-GB"/>
           </a:p>
@@ -1349,7 +1349,7 @@
             <a:fld id="{26EA1CF3-4A15-4CBF-9A5A-6A56C368BE71}" type="datetimeFigureOut">
               <a:rPr lang="en-GB" smtClean="0"/>
               <a:pPr/>
-              <a:t>03/10/2022</a:t>
+              <a:t>01/07/2024</a:t>
             </a:fld>
             <a:endParaRPr lang="en-GB"/>
           </a:p>
@@ -1768,7 +1768,7 @@
             <a:fld id="{26EA1CF3-4A15-4CBF-9A5A-6A56C368BE71}" type="datetimeFigureOut">
               <a:rPr lang="en-GB" smtClean="0"/>
               <a:pPr/>
-              <a:t>03/10/2022</a:t>
+              <a:t>01/07/2024</a:t>
             </a:fld>
             <a:endParaRPr lang="en-GB"/>
           </a:p>
@@ -1883,7 +1883,7 @@
             <a:fld id="{26EA1CF3-4A15-4CBF-9A5A-6A56C368BE71}" type="datetimeFigureOut">
               <a:rPr lang="en-GB" smtClean="0"/>
               <a:pPr/>
-              <a:t>03/10/2022</a:t>
+              <a:t>01/07/2024</a:t>
             </a:fld>
             <a:endParaRPr lang="en-GB"/>
           </a:p>
@@ -1975,7 +1975,7 @@
             <a:fld id="{26EA1CF3-4A15-4CBF-9A5A-6A56C368BE71}" type="datetimeFigureOut">
               <a:rPr lang="en-GB" smtClean="0"/>
               <a:pPr/>
-              <a:t>03/10/2022</a:t>
+              <a:t>01/07/2024</a:t>
             </a:fld>
             <a:endParaRPr lang="en-GB"/>
           </a:p>
@@ -2249,7 +2249,7 @@
             <a:fld id="{26EA1CF3-4A15-4CBF-9A5A-6A56C368BE71}" type="datetimeFigureOut">
               <a:rPr lang="en-GB" smtClean="0"/>
               <a:pPr/>
-              <a:t>03/10/2022</a:t>
+              <a:t>01/07/2024</a:t>
             </a:fld>
             <a:endParaRPr lang="en-GB"/>
           </a:p>
@@ -2499,7 +2499,7 @@
             <a:fld id="{26EA1CF3-4A15-4CBF-9A5A-6A56C368BE71}" type="datetimeFigureOut">
               <a:rPr lang="en-GB" smtClean="0"/>
               <a:pPr/>
-              <a:t>03/10/2022</a:t>
+              <a:t>01/07/2024</a:t>
             </a:fld>
             <a:endParaRPr lang="en-GB"/>
           </a:p>
@@ -2712,7 +2712,7 @@
             <a:fld id="{26EA1CF3-4A15-4CBF-9A5A-6A56C368BE71}" type="datetimeFigureOut">
               <a:rPr lang="en-GB" smtClean="0"/>
               <a:pPr/>
-              <a:t>03/10/2022</a:t>
+              <a:t>01/07/2024</a:t>
             </a:fld>
             <a:endParaRPr lang="en-GB"/>
           </a:p>
@@ -3237,7 +3237,7 @@
         </p:nvSpPr>
         <p:spPr>
           <a:xfrm>
-            <a:off x="323528" y="188640"/>
+            <a:off x="251520" y="764704"/>
             <a:ext cx="8640960" cy="6480720"/>
           </a:xfrm>
         </p:spPr>
@@ -3248,7 +3248,7 @@
           <a:lstStyle/>
           <a:p>
             <a:r>
-              <a:rPr lang="en-GB" sz="5600" dirty="0">
+              <a:rPr lang="en-GB" sz="3600" dirty="0">
                 <a:solidFill>
                   <a:schemeClr val="bg1"/>
                 </a:solidFill>
@@ -3256,14 +3256,14 @@
               <a:t>You unravel me with a melody</a:t>
             </a:r>
             <a:br>
-              <a:rPr lang="en-GB" sz="5600" dirty="0">
+              <a:rPr lang="en-GB" sz="3600" dirty="0">
                 <a:solidFill>
                   <a:schemeClr val="bg1"/>
                 </a:solidFill>
               </a:rPr>
             </a:br>
             <a:r>
-              <a:rPr lang="en-GB" sz="5600" dirty="0">
+              <a:rPr lang="en-GB" sz="3600" dirty="0">
                 <a:solidFill>
                   <a:schemeClr val="bg1"/>
                 </a:solidFill>
@@ -3271,14 +3271,14 @@
               <a:t>You surround me with a song</a:t>
             </a:r>
             <a:br>
-              <a:rPr lang="en-GB" sz="5600" dirty="0">
+              <a:rPr lang="en-GB" sz="3600" dirty="0">
                 <a:solidFill>
                   <a:schemeClr val="bg1"/>
                 </a:solidFill>
               </a:rPr>
             </a:br>
             <a:r>
-              <a:rPr lang="en-GB" sz="5600" dirty="0">
+              <a:rPr lang="en-GB" sz="3600" dirty="0">
                 <a:solidFill>
                   <a:schemeClr val="bg1"/>
                 </a:solidFill>
@@ -3286,14 +3286,14 @@
               <a:t>Of deliverance from my enemies</a:t>
             </a:r>
             <a:br>
-              <a:rPr lang="en-GB" sz="5600" dirty="0">
+              <a:rPr lang="en-GB" sz="3600" dirty="0">
                 <a:solidFill>
                   <a:schemeClr val="bg1"/>
                 </a:solidFill>
               </a:rPr>
             </a:br>
             <a:r>
-              <a:rPr lang="en-GB" sz="5600" dirty="0">
+              <a:rPr lang="en-GB" sz="3600" dirty="0">
                 <a:solidFill>
                   <a:schemeClr val="bg1"/>
                 </a:solidFill>
@@ -3373,7 +3373,7 @@
         </p:nvSpPr>
         <p:spPr>
           <a:xfrm>
-            <a:off x="323528" y="188640"/>
+            <a:off x="251520" y="836712"/>
             <a:ext cx="8640960" cy="6480720"/>
           </a:xfrm>
         </p:spPr>
@@ -3384,7 +3384,7 @@
           <a:lstStyle/>
           <a:p>
             <a:r>
-              <a:rPr lang="en-GB" sz="6000" dirty="0">
+              <a:rPr lang="en-GB" sz="3600" dirty="0">
                 <a:solidFill>
                   <a:schemeClr val="bg1"/>
                 </a:solidFill>
@@ -3392,14 +3392,14 @@
               <a:t>I'm no longer a slave to fear</a:t>
             </a:r>
             <a:br>
-              <a:rPr lang="en-GB" sz="6000" dirty="0">
+              <a:rPr lang="en-GB" sz="3600" dirty="0">
                 <a:solidFill>
                   <a:schemeClr val="bg1"/>
                 </a:solidFill>
               </a:rPr>
             </a:br>
             <a:r>
-              <a:rPr lang="en-GB" sz="6000" dirty="0">
+              <a:rPr lang="en-GB" sz="3600" dirty="0">
                 <a:solidFill>
                   <a:schemeClr val="bg1"/>
                 </a:solidFill>
@@ -3407,14 +3407,14 @@
               <a:t>I am a child of God</a:t>
             </a:r>
             <a:br>
-              <a:rPr lang="en-GB" sz="6000" dirty="0">
+              <a:rPr lang="en-GB" sz="3600" dirty="0">
                 <a:solidFill>
                   <a:schemeClr val="bg1"/>
                 </a:solidFill>
               </a:rPr>
             </a:br>
             <a:r>
-              <a:rPr lang="en-GB" sz="6000" dirty="0">
+              <a:rPr lang="en-GB" sz="3600" dirty="0">
                 <a:solidFill>
                   <a:schemeClr val="bg1"/>
                 </a:solidFill>
@@ -3422,14 +3422,14 @@
               <a:t>I'm no longer a slave to fear</a:t>
             </a:r>
             <a:br>
-              <a:rPr lang="en-GB" sz="6000" dirty="0">
+              <a:rPr lang="en-GB" sz="3600" dirty="0">
                 <a:solidFill>
                   <a:schemeClr val="bg1"/>
                 </a:solidFill>
               </a:rPr>
             </a:br>
             <a:r>
-              <a:rPr lang="en-GB" sz="6000" dirty="0">
+              <a:rPr lang="en-GB" sz="3600" dirty="0">
                 <a:solidFill>
                   <a:schemeClr val="bg1"/>
                 </a:solidFill>
@@ -3509,7 +3509,7 @@
         </p:nvSpPr>
         <p:spPr>
           <a:xfrm>
-            <a:off x="323528" y="188640"/>
+            <a:off x="323528" y="764704"/>
             <a:ext cx="8640960" cy="6480720"/>
           </a:xfrm>
         </p:spPr>
@@ -3520,7 +3520,7 @@
           <a:lstStyle/>
           <a:p>
             <a:r>
-              <a:rPr lang="en-GB" sz="5600" dirty="0">
+              <a:rPr lang="en-GB" sz="3600" dirty="0">
                 <a:solidFill>
                   <a:schemeClr val="bg1"/>
                 </a:solidFill>
@@ -3528,14 +3528,14 @@
               <a:t>From my Mother's womb</a:t>
             </a:r>
             <a:br>
-              <a:rPr lang="en-GB" sz="5600" dirty="0">
+              <a:rPr lang="en-GB" sz="3600" dirty="0">
                 <a:solidFill>
                   <a:schemeClr val="bg1"/>
                 </a:solidFill>
               </a:rPr>
             </a:br>
             <a:r>
-              <a:rPr lang="en-GB" sz="5600" dirty="0">
+              <a:rPr lang="en-GB" sz="3600" dirty="0">
                 <a:solidFill>
                   <a:schemeClr val="bg1"/>
                 </a:solidFill>
@@ -3543,14 +3543,14 @@
               <a:t>You have chosen me</a:t>
             </a:r>
             <a:br>
-              <a:rPr lang="en-GB" sz="5600" dirty="0">
+              <a:rPr lang="en-GB" sz="3600" dirty="0">
                 <a:solidFill>
                   <a:schemeClr val="bg1"/>
                 </a:solidFill>
               </a:rPr>
             </a:br>
             <a:r>
-              <a:rPr lang="en-GB" sz="5600" dirty="0">
+              <a:rPr lang="en-GB" sz="3600" dirty="0">
                 <a:solidFill>
                   <a:schemeClr val="bg1"/>
                 </a:solidFill>
@@ -3558,14 +3558,14 @@
               <a:t>Love has called my name</a:t>
             </a:r>
             <a:br>
-              <a:rPr lang="en-GB" sz="5600" dirty="0">
+              <a:rPr lang="en-GB" sz="3600" dirty="0">
                 <a:solidFill>
                   <a:schemeClr val="bg1"/>
                 </a:solidFill>
               </a:rPr>
             </a:br>
             <a:r>
-              <a:rPr lang="en-GB" sz="5600" dirty="0">
+              <a:rPr lang="en-GB" sz="3600" dirty="0">
                 <a:solidFill>
                   <a:schemeClr val="bg1"/>
                 </a:solidFill>
@@ -3573,14 +3573,14 @@
               <a:t>I've been born again into Your family</a:t>
             </a:r>
             <a:br>
-              <a:rPr lang="en-GB" sz="5600" dirty="0">
+              <a:rPr lang="en-GB" sz="3600" dirty="0">
                 <a:solidFill>
                   <a:schemeClr val="bg1"/>
                 </a:solidFill>
               </a:rPr>
             </a:br>
             <a:r>
-              <a:rPr lang="en-GB" sz="5600" dirty="0">
+              <a:rPr lang="en-GB" sz="3600" dirty="0">
                 <a:solidFill>
                   <a:schemeClr val="bg1"/>
                 </a:solidFill>
@@ -3660,7 +3660,7 @@
         </p:nvSpPr>
         <p:spPr>
           <a:xfrm>
-            <a:off x="323528" y="188640"/>
+            <a:off x="251520" y="764704"/>
             <a:ext cx="8640960" cy="6480720"/>
           </a:xfrm>
         </p:spPr>
@@ -3671,7 +3671,7 @@
           <a:lstStyle/>
           <a:p>
             <a:r>
-              <a:rPr lang="en-GB" sz="6000" dirty="0">
+              <a:rPr lang="en-GB" sz="3600" dirty="0">
                 <a:solidFill>
                   <a:schemeClr val="bg1"/>
                 </a:solidFill>
@@ -3679,14 +3679,14 @@
               <a:t>I'm no longer a slave to fear</a:t>
             </a:r>
             <a:br>
-              <a:rPr lang="en-GB" sz="6000" dirty="0">
+              <a:rPr lang="en-GB" sz="3600" dirty="0">
                 <a:solidFill>
                   <a:schemeClr val="bg1"/>
                 </a:solidFill>
               </a:rPr>
             </a:br>
             <a:r>
-              <a:rPr lang="en-GB" sz="6000" dirty="0">
+              <a:rPr lang="en-GB" sz="3600" dirty="0">
                 <a:solidFill>
                   <a:schemeClr val="bg1"/>
                 </a:solidFill>
@@ -3694,14 +3694,14 @@
               <a:t>I am a child of God</a:t>
             </a:r>
             <a:br>
-              <a:rPr lang="en-GB" sz="6000" dirty="0">
+              <a:rPr lang="en-GB" sz="3600" dirty="0">
                 <a:solidFill>
                   <a:schemeClr val="bg1"/>
                 </a:solidFill>
               </a:rPr>
             </a:br>
             <a:r>
-              <a:rPr lang="en-GB" sz="6000" dirty="0">
+              <a:rPr lang="en-GB" sz="3600" dirty="0">
                 <a:solidFill>
                   <a:schemeClr val="bg1"/>
                 </a:solidFill>
@@ -3709,14 +3709,14 @@
               <a:t>I'm no longer a slave to fear</a:t>
             </a:r>
             <a:br>
-              <a:rPr lang="en-GB" sz="6000" dirty="0">
+              <a:rPr lang="en-GB" sz="3600" dirty="0">
                 <a:solidFill>
                   <a:schemeClr val="bg1"/>
                 </a:solidFill>
               </a:rPr>
             </a:br>
             <a:r>
-              <a:rPr lang="en-GB" sz="6000" dirty="0">
+              <a:rPr lang="en-GB" sz="3600" dirty="0">
                 <a:solidFill>
                   <a:schemeClr val="bg1"/>
                 </a:solidFill>
@@ -3796,7 +3796,7 @@
         </p:nvSpPr>
         <p:spPr>
           <a:xfrm>
-            <a:off x="323528" y="188640"/>
+            <a:off x="395536" y="692696"/>
             <a:ext cx="8640960" cy="6480720"/>
           </a:xfrm>
         </p:spPr>
@@ -3807,7 +3807,7 @@
           <a:lstStyle/>
           <a:p>
             <a:r>
-              <a:rPr lang="en-GB" sz="6000" dirty="0">
+              <a:rPr lang="en-GB" sz="3600" dirty="0">
                 <a:solidFill>
                   <a:schemeClr val="bg1"/>
                 </a:solidFill>
@@ -3815,14 +3815,14 @@
               <a:t>You split the sea so I could walk right through it</a:t>
             </a:r>
             <a:br>
-              <a:rPr lang="en-GB" sz="6000" dirty="0">
+              <a:rPr lang="en-GB" sz="3600" dirty="0">
                 <a:solidFill>
                   <a:schemeClr val="bg1"/>
                 </a:solidFill>
               </a:rPr>
             </a:br>
             <a:r>
-              <a:rPr lang="en-GB" sz="6000" dirty="0">
+              <a:rPr lang="en-GB" sz="3600" dirty="0">
                 <a:solidFill>
                   <a:schemeClr val="bg1"/>
                 </a:solidFill>
@@ -3830,14 +3830,14 @@
               <a:t>My fears were drowned in perfect love</a:t>
             </a:r>
             <a:br>
-              <a:rPr lang="en-GB" sz="6000" dirty="0">
+              <a:rPr lang="en-GB" sz="3600" dirty="0">
                 <a:solidFill>
                   <a:schemeClr val="bg1"/>
                 </a:solidFill>
               </a:rPr>
             </a:br>
             <a:r>
-              <a:rPr lang="en-GB" sz="6000" dirty="0">
+              <a:rPr lang="en-GB" sz="3600" dirty="0">
                 <a:solidFill>
                   <a:schemeClr val="bg1"/>
                 </a:solidFill>
@@ -3845,25 +3845,20 @@
               <a:t>You rescued me so I could stand and sing</a:t>
             </a:r>
             <a:br>
-              <a:rPr lang="en-GB" sz="6000" dirty="0">
+              <a:rPr lang="en-GB" sz="3600" dirty="0">
                 <a:solidFill>
                   <a:schemeClr val="bg1"/>
                 </a:solidFill>
               </a:rPr>
             </a:br>
             <a:r>
-              <a:rPr lang="en-GB" sz="6000" dirty="0">
+              <a:rPr lang="en-GB" sz="3600" dirty="0">
                 <a:solidFill>
                   <a:schemeClr val="bg1"/>
                 </a:solidFill>
               </a:rPr>
               <a:t>I am a child of God</a:t>
             </a:r>
-            <a:endParaRPr lang="en-GB" sz="5600" dirty="0">
-              <a:solidFill>
-                <a:schemeClr val="bg1"/>
-              </a:solidFill>
-            </a:endParaRPr>
           </a:p>
         </p:txBody>
       </p:sp>
